--- a/Report/Class_presentation_ver2 annotated.pptx
+++ b/Report/Class_presentation_ver2 annotated.pptx
@@ -11101,21 +11101,30 @@
             </a:r>
           </a:p>
           <a:p>
-            <a:pPr lvl="1" fontAlgn="base"/>
+            <a:pPr marL="822960" lvl="1" indent="-457200" fontAlgn="base">
+              <a:buFont typeface="+mj-lt"/>
+              <a:buAutoNum type="arabicPeriod"/>
+            </a:pPr>
             <a:r>
               <a:rPr lang="en-US" dirty="0"/>
               <a:t>Does time of year impact demand for transportation resources?</a:t>
             </a:r>
           </a:p>
           <a:p>
-            <a:pPr lvl="1" fontAlgn="base"/>
+            <a:pPr marL="822960" lvl="1" indent="-457200" fontAlgn="base">
+              <a:buFont typeface="+mj-lt"/>
+              <a:buAutoNum type="arabicPeriod"/>
+            </a:pPr>
             <a:r>
               <a:rPr lang="en-US" dirty="0"/>
               <a:t>Does Metro performance impact the demand for other transportation resources? </a:t>
             </a:r>
           </a:p>
           <a:p>
-            <a:pPr lvl="1" fontAlgn="base"/>
+            <a:pPr marL="822960" lvl="1" indent="-457200" fontAlgn="base">
+              <a:buFont typeface="+mj-lt"/>
+              <a:buAutoNum type="arabicPeriod"/>
+            </a:pPr>
             <a:r>
               <a:rPr lang="en-US" dirty="0"/>
               <a:t>Can one predict the availability of transportation resources based on metro past performance? </a:t>
@@ -11412,7 +11421,7 @@
           <a:p>
             <a:r>
               <a:rPr lang="en-US" sz="1800" dirty="0"/>
-              <a:t>Review results from the anal and make observations</a:t>
+              <a:t>Review results from the analysis and make observations</a:t>
             </a:r>
           </a:p>
           <a:p>

--- a/Report/Class_presentation_ver2 annotated.pptx
+++ b/Report/Class_presentation_ver2 annotated.pptx
@@ -6,16 +6,17 @@
     <p:sldMasterId id="2147483660" r:id="rId2"/>
   </p:sldMasterIdLst>
   <p:notesMasterIdLst>
-    <p:notesMasterId r:id="rId7"/>
+    <p:notesMasterId r:id="rId8"/>
   </p:notesMasterIdLst>
   <p:handoutMasterIdLst>
-    <p:handoutMasterId r:id="rId8"/>
+    <p:handoutMasterId r:id="rId9"/>
   </p:handoutMasterIdLst>
   <p:sldIdLst>
     <p:sldId id="256" r:id="rId3"/>
     <p:sldId id="286" r:id="rId4"/>
     <p:sldId id="288" r:id="rId5"/>
     <p:sldId id="266" r:id="rId6"/>
+    <p:sldId id="289" r:id="rId7"/>
   </p:sldIdLst>
   <p:sldSz cx="12188825" cy="6858000"/>
   <p:notesSz cx="6858000" cy="9144000"/>
@@ -682,6 +683,91 @@
     </a:lvl9pPr>
   </p:notesStyle>
 </p:notesMaster>
+</file>
+
+<file path=ppt/notesSlides/notesSlide1.xml><?xml version="1.0" encoding="utf-8"?>
+<p:notes xmlns:a="http://schemas.openxmlformats.org/drawingml/2006/main" xmlns:r="http://schemas.openxmlformats.org/officeDocument/2006/relationships" xmlns:p="http://schemas.openxmlformats.org/presentationml/2006/main">
+  <p:cSld>
+    <p:spTree>
+      <p:nvGrpSpPr>
+        <p:cNvPr id="1" name=""/>
+        <p:cNvGrpSpPr/>
+        <p:nvPr/>
+      </p:nvGrpSpPr>
+      <p:grpSpPr>
+        <a:xfrm>
+          <a:off x="0" y="0"/>
+          <a:ext cx="0" cy="0"/>
+          <a:chOff x="0" y="0"/>
+          <a:chExt cx="0" cy="0"/>
+        </a:xfrm>
+      </p:grpSpPr>
+      <p:sp>
+        <p:nvSpPr>
+          <p:cNvPr id="2" name="Slide Image Placeholder 1"/>
+          <p:cNvSpPr>
+            <a:spLocks noGrp="1" noRot="1" noChangeAspect="1"/>
+          </p:cNvSpPr>
+          <p:nvPr>
+            <p:ph type="sldImg"/>
+          </p:nvPr>
+        </p:nvSpPr>
+        <p:spPr/>
+      </p:sp>
+      <p:sp>
+        <p:nvSpPr>
+          <p:cNvPr id="3" name="Notes Placeholder 2"/>
+          <p:cNvSpPr>
+            <a:spLocks noGrp="1"/>
+          </p:cNvSpPr>
+          <p:nvPr>
+            <p:ph type="body" idx="1"/>
+          </p:nvPr>
+        </p:nvSpPr>
+        <p:spPr/>
+        <p:txBody>
+          <a:bodyPr/>
+          <a:lstStyle/>
+          <a:p>
+            <a:endParaRPr lang="en-US" dirty="0"/>
+          </a:p>
+        </p:txBody>
+      </p:sp>
+      <p:sp>
+        <p:nvSpPr>
+          <p:cNvPr id="4" name="Slide Number Placeholder 3"/>
+          <p:cNvSpPr>
+            <a:spLocks noGrp="1"/>
+          </p:cNvSpPr>
+          <p:nvPr>
+            <p:ph type="sldNum" sz="quarter" idx="10"/>
+          </p:nvPr>
+        </p:nvSpPr>
+        <p:spPr/>
+        <p:txBody>
+          <a:bodyPr/>
+          <a:lstStyle/>
+          <a:p>
+            <a:fld id="{841221E5-7225-48EB-A4EE-420E7BFCF705}" type="slidenum">
+              <a:rPr lang="en-US" smtClean="0"/>
+              <a:pPr/>
+              <a:t>5</a:t>
+            </a:fld>
+            <a:endParaRPr lang="en-US"/>
+          </a:p>
+        </p:txBody>
+      </p:sp>
+    </p:spTree>
+    <p:extLst>
+      <p:ext uri="{BB962C8B-B14F-4D97-AF65-F5344CB8AC3E}">
+        <p14:creationId xmlns:p14="http://schemas.microsoft.com/office/powerpoint/2010/main" val="355418947"/>
+      </p:ext>
+    </p:extLst>
+  </p:cSld>
+  <p:clrMapOvr>
+    <a:masterClrMapping/>
+  </p:clrMapOvr>
+</p:notes>
 </file>
 
 <file path=ppt/slideLayouts/slideLayout1.xml><?xml version="1.0" encoding="utf-8"?>
@@ -12471,6 +12557,1248 @@
     <p:extLst>
       <p:ext uri="{BB962C8B-B14F-4D97-AF65-F5344CB8AC3E}">
         <p14:creationId xmlns:p14="http://schemas.microsoft.com/office/powerpoint/2010/main" val="3611835484"/>
+      </p:ext>
+    </p:extLst>
+  </p:cSld>
+  <p:clrMapOvr>
+    <a:masterClrMapping/>
+  </p:clrMapOvr>
+</p:sld>
+</file>
+
+<file path=ppt/slides/slide5.xml><?xml version="1.0" encoding="utf-8"?>
+<p:sld xmlns:a="http://schemas.openxmlformats.org/drawingml/2006/main" xmlns:r="http://schemas.openxmlformats.org/officeDocument/2006/relationships" xmlns:p="http://schemas.openxmlformats.org/presentationml/2006/main">
+  <p:cSld>
+    <p:spTree>
+      <p:nvGrpSpPr>
+        <p:cNvPr id="1" name=""/>
+        <p:cNvGrpSpPr/>
+        <p:nvPr/>
+      </p:nvGrpSpPr>
+      <p:grpSpPr>
+        <a:xfrm>
+          <a:off x="0" y="0"/>
+          <a:ext cx="0" cy="0"/>
+          <a:chOff x="0" y="0"/>
+          <a:chExt cx="0" cy="0"/>
+        </a:xfrm>
+      </p:grpSpPr>
+      <p:sp>
+        <p:nvSpPr>
+          <p:cNvPr id="2" name="TextBox 1">
+            <a:extLst>
+              <a:ext uri="{FF2B5EF4-FFF2-40B4-BE49-F238E27FC236}">
+                <a16:creationId xmlns:a16="http://schemas.microsoft.com/office/drawing/2014/main" id="{FBAF48A1-91E4-41C0-A23A-3BD66F2C58BF}"/>
+              </a:ext>
+            </a:extLst>
+          </p:cNvPr>
+          <p:cNvSpPr txBox="1"/>
+          <p:nvPr/>
+        </p:nvSpPr>
+        <p:spPr>
+          <a:xfrm>
+            <a:off x="3208872" y="-4027"/>
+            <a:ext cx="5087547" cy="369204"/>
+          </a:xfrm>
+          <a:prstGeom prst="rect">
+            <a:avLst/>
+          </a:prstGeom>
+          <a:noFill/>
+          <a:ln>
+            <a:solidFill>
+              <a:schemeClr val="tx1"/>
+            </a:solidFill>
+          </a:ln>
+        </p:spPr>
+        <p:txBody>
+          <a:bodyPr wrap="none" rtlCol="0">
+            <a:spAutoFit/>
+          </a:bodyPr>
+          <a:lstStyle/>
+          <a:p>
+            <a:pPr defTabSz="914126"/>
+            <a:r>
+              <a:rPr lang="en-US" sz="1799" dirty="0">
+                <a:solidFill>
+                  <a:prstClr val="black"/>
+                </a:solidFill>
+                <a:latin typeface="Calibri" panose="020F0502020204030204"/>
+              </a:rPr>
+              <a:t>Analysis Process:  Find Seasonal Index for Question 1</a:t>
+            </a:r>
+          </a:p>
+        </p:txBody>
+      </p:sp>
+      <p:sp>
+        <p:nvSpPr>
+          <p:cNvPr id="6" name="TextBox 5">
+            <a:extLst>
+              <a:ext uri="{FF2B5EF4-FFF2-40B4-BE49-F238E27FC236}">
+                <a16:creationId xmlns:a16="http://schemas.microsoft.com/office/drawing/2014/main" id="{769FB211-C858-4691-992A-F367E068C2D5}"/>
+              </a:ext>
+            </a:extLst>
+          </p:cNvPr>
+          <p:cNvSpPr txBox="1"/>
+          <p:nvPr/>
+        </p:nvSpPr>
+        <p:spPr>
+          <a:xfrm>
+            <a:off x="875675" y="128808"/>
+            <a:ext cx="1750672" cy="369332"/>
+          </a:xfrm>
+          <a:prstGeom prst="rect">
+            <a:avLst/>
+          </a:prstGeom>
+          <a:noFill/>
+          <a:ln>
+            <a:solidFill>
+              <a:schemeClr val="tx1"/>
+            </a:solidFill>
+          </a:ln>
+        </p:spPr>
+        <p:txBody>
+          <a:bodyPr wrap="none" rtlCol="0">
+            <a:spAutoFit/>
+          </a:bodyPr>
+          <a:lstStyle/>
+          <a:p>
+            <a:r>
+              <a:rPr lang="en-US" dirty="0"/>
+              <a:t>Time Series Data</a:t>
+            </a:r>
+          </a:p>
+        </p:txBody>
+      </p:sp>
+      <p:cxnSp>
+        <p:nvCxnSpPr>
+          <p:cNvPr id="8" name="Straight Arrow Connector 7">
+            <a:extLst>
+              <a:ext uri="{FF2B5EF4-FFF2-40B4-BE49-F238E27FC236}">
+                <a16:creationId xmlns:a16="http://schemas.microsoft.com/office/drawing/2014/main" id="{BC9C0DB6-DD9C-48F5-BB4D-A47548D07782}"/>
+              </a:ext>
+            </a:extLst>
+          </p:cNvPr>
+          <p:cNvCxnSpPr>
+            <a:cxnSpLocks/>
+          </p:cNvCxnSpPr>
+          <p:nvPr/>
+        </p:nvCxnSpPr>
+        <p:spPr>
+          <a:xfrm flipV="1">
+            <a:off x="3884612" y="5225534"/>
+            <a:ext cx="687728" cy="32266"/>
+          </a:xfrm>
+          <a:prstGeom prst="straightConnector1">
+            <a:avLst/>
+          </a:prstGeom>
+          <a:ln>
+            <a:tailEnd type="triangle"/>
+          </a:ln>
+        </p:spPr>
+        <p:style>
+          <a:lnRef idx="1">
+            <a:schemeClr val="accent1"/>
+          </a:lnRef>
+          <a:fillRef idx="0">
+            <a:schemeClr val="accent1"/>
+          </a:fillRef>
+          <a:effectRef idx="0">
+            <a:schemeClr val="accent1"/>
+          </a:effectRef>
+          <a:fontRef idx="minor">
+            <a:schemeClr val="tx1"/>
+          </a:fontRef>
+        </p:style>
+      </p:cxnSp>
+      <p:sp>
+        <p:nvSpPr>
+          <p:cNvPr id="9" name="Arrow: Right 8">
+            <a:extLst>
+              <a:ext uri="{FF2B5EF4-FFF2-40B4-BE49-F238E27FC236}">
+                <a16:creationId xmlns:a16="http://schemas.microsoft.com/office/drawing/2014/main" id="{A3EBDEBB-EC83-4FC0-8ABD-A3F397EB7F1F}"/>
+              </a:ext>
+            </a:extLst>
+          </p:cNvPr>
+          <p:cNvSpPr/>
+          <p:nvPr/>
+        </p:nvSpPr>
+        <p:spPr>
+          <a:xfrm>
+            <a:off x="3133365" y="1364379"/>
+            <a:ext cx="904469" cy="355394"/>
+          </a:xfrm>
+          <a:prstGeom prst="rightArrow">
+            <a:avLst/>
+          </a:prstGeom>
+        </p:spPr>
+        <p:style>
+          <a:lnRef idx="2">
+            <a:schemeClr val="accent1">
+              <a:shade val="50000"/>
+            </a:schemeClr>
+          </a:lnRef>
+          <a:fillRef idx="1">
+            <a:schemeClr val="accent1"/>
+          </a:fillRef>
+          <a:effectRef idx="0">
+            <a:schemeClr val="accent1"/>
+          </a:effectRef>
+          <a:fontRef idx="minor">
+            <a:schemeClr val="lt1"/>
+          </a:fontRef>
+        </p:style>
+        <p:txBody>
+          <a:bodyPr rtlCol="0" anchor="ctr"/>
+          <a:lstStyle/>
+          <a:p>
+            <a:pPr algn="ctr"/>
+            <a:endParaRPr lang="en-US"/>
+          </a:p>
+        </p:txBody>
+      </p:sp>
+      <p:pic>
+        <p:nvPicPr>
+          <p:cNvPr id="10" name="Picture 9">
+            <a:extLst>
+              <a:ext uri="{FF2B5EF4-FFF2-40B4-BE49-F238E27FC236}">
+                <a16:creationId xmlns:a16="http://schemas.microsoft.com/office/drawing/2014/main" id="{9C509CFE-4225-449F-846B-9A5348260E0B}"/>
+              </a:ext>
+            </a:extLst>
+          </p:cNvPr>
+          <p:cNvPicPr>
+            <a:picLocks noChangeAspect="1"/>
+          </p:cNvPicPr>
+          <p:nvPr/>
+        </p:nvPicPr>
+        <p:blipFill>
+          <a:blip r:embed="rId3"/>
+          <a:stretch>
+            <a:fillRect/>
+          </a:stretch>
+        </p:blipFill>
+        <p:spPr>
+          <a:xfrm>
+            <a:off x="293149" y="640750"/>
+            <a:ext cx="2915723" cy="1840468"/>
+          </a:xfrm>
+          <a:prstGeom prst="rect">
+            <a:avLst/>
+          </a:prstGeom>
+        </p:spPr>
+      </p:pic>
+      <p:sp>
+        <p:nvSpPr>
+          <p:cNvPr id="11" name="TextBox 10">
+            <a:extLst>
+              <a:ext uri="{FF2B5EF4-FFF2-40B4-BE49-F238E27FC236}">
+                <a16:creationId xmlns:a16="http://schemas.microsoft.com/office/drawing/2014/main" id="{EC263398-C947-4C86-A381-B6B74AA39A7E}"/>
+              </a:ext>
+            </a:extLst>
+          </p:cNvPr>
+          <p:cNvSpPr txBox="1"/>
+          <p:nvPr/>
+        </p:nvSpPr>
+        <p:spPr>
+          <a:xfrm>
+            <a:off x="273632" y="2481218"/>
+            <a:ext cx="3205978" cy="1200329"/>
+          </a:xfrm>
+          <a:prstGeom prst="rect">
+            <a:avLst/>
+          </a:prstGeom>
+          <a:noFill/>
+          <a:ln>
+            <a:noFill/>
+          </a:ln>
+        </p:spPr>
+        <p:txBody>
+          <a:bodyPr wrap="square" rtlCol="0">
+            <a:spAutoFit/>
+          </a:bodyPr>
+          <a:lstStyle/>
+          <a:p>
+            <a:pPr algn="ctr"/>
+            <a:r>
+              <a:rPr lang="en-US" sz="1200" b="1" u="sng" dirty="0"/>
+              <a:t>The ridership data is characteristic of a time series</a:t>
+            </a:r>
+          </a:p>
+          <a:p>
+            <a:pPr marL="228600" indent="-228600">
+              <a:buAutoNum type="arabicPeriod"/>
+            </a:pPr>
+            <a:r>
+              <a:rPr lang="en-US" sz="1200" b="1" dirty="0"/>
+              <a:t>Long Term Trend or Movement</a:t>
+            </a:r>
+          </a:p>
+          <a:p>
+            <a:pPr marL="228600" indent="-228600">
+              <a:buAutoNum type="arabicPeriod"/>
+            </a:pPr>
+            <a:r>
+              <a:rPr lang="en-US" sz="1200" b="1" dirty="0"/>
+              <a:t>Seasonal Movement</a:t>
+            </a:r>
+          </a:p>
+          <a:p>
+            <a:pPr marL="228600" indent="-228600">
+              <a:buAutoNum type="arabicPeriod"/>
+            </a:pPr>
+            <a:r>
+              <a:rPr lang="en-US" sz="1200" b="1" dirty="0"/>
+              <a:t>Long-Term Cyclical Movement</a:t>
+            </a:r>
+          </a:p>
+          <a:p>
+            <a:pPr marL="228600" indent="-228600">
+              <a:buAutoNum type="arabicPeriod"/>
+            </a:pPr>
+            <a:r>
+              <a:rPr lang="en-US" sz="1200" b="1" dirty="0"/>
+              <a:t>Irregular Movement:</a:t>
+            </a:r>
+          </a:p>
+        </p:txBody>
+      </p:sp>
+      <p:sp>
+        <p:nvSpPr>
+          <p:cNvPr id="12" name="TextBox 11">
+            <a:extLst>
+              <a:ext uri="{FF2B5EF4-FFF2-40B4-BE49-F238E27FC236}">
+                <a16:creationId xmlns:a16="http://schemas.microsoft.com/office/drawing/2014/main" id="{49588C62-3E67-476B-B2E9-7D98F9D5E3ED}"/>
+              </a:ext>
+            </a:extLst>
+          </p:cNvPr>
+          <p:cNvSpPr txBox="1"/>
+          <p:nvPr/>
+        </p:nvSpPr>
+        <p:spPr>
+          <a:xfrm>
+            <a:off x="4146836" y="1400127"/>
+            <a:ext cx="2676081" cy="338554"/>
+          </a:xfrm>
+          <a:prstGeom prst="rect">
+            <a:avLst/>
+          </a:prstGeom>
+          <a:noFill/>
+          <a:ln>
+            <a:solidFill>
+              <a:schemeClr val="tx1"/>
+            </a:solidFill>
+          </a:ln>
+        </p:spPr>
+        <p:txBody>
+          <a:bodyPr wrap="square" rtlCol="0">
+            <a:spAutoFit/>
+          </a:bodyPr>
+          <a:lstStyle/>
+          <a:p>
+            <a:pPr algn="ctr"/>
+            <a:r>
+              <a:rPr lang="en-US" sz="1600" b="1" dirty="0"/>
+              <a:t>Y = T x C x S x I = TCSI</a:t>
+            </a:r>
+          </a:p>
+        </p:txBody>
+      </p:sp>
+      <p:sp>
+        <p:nvSpPr>
+          <p:cNvPr id="13" name="TextBox 12">
+            <a:extLst>
+              <a:ext uri="{FF2B5EF4-FFF2-40B4-BE49-F238E27FC236}">
+                <a16:creationId xmlns:a16="http://schemas.microsoft.com/office/drawing/2014/main" id="{487543EB-4A2B-4006-A151-FA0BF67FC913}"/>
+              </a:ext>
+            </a:extLst>
+          </p:cNvPr>
+          <p:cNvSpPr txBox="1"/>
+          <p:nvPr/>
+        </p:nvSpPr>
+        <p:spPr>
+          <a:xfrm>
+            <a:off x="3690308" y="1768968"/>
+            <a:ext cx="3547951" cy="646331"/>
+          </a:xfrm>
+          <a:prstGeom prst="rect">
+            <a:avLst/>
+          </a:prstGeom>
+          <a:noFill/>
+        </p:spPr>
+        <p:txBody>
+          <a:bodyPr wrap="square" rtlCol="0">
+            <a:spAutoFit/>
+          </a:bodyPr>
+          <a:lstStyle/>
+          <a:p>
+            <a:pPr algn="ctr"/>
+            <a:r>
+              <a:rPr lang="en-US" sz="1200" b="1" dirty="0"/>
+              <a:t>Y:  Time Series Variable	</a:t>
+            </a:r>
+          </a:p>
+          <a:p>
+            <a:r>
+              <a:rPr lang="en-US" sz="1200" b="1" dirty="0"/>
+              <a:t>T: Trend 		C : Cyclical Movement</a:t>
+            </a:r>
+          </a:p>
+          <a:p>
+            <a:r>
+              <a:rPr lang="en-US" sz="1200" b="1" dirty="0"/>
+              <a:t>S : Seasonal Variation 	I  : Irregular Movement</a:t>
+            </a:r>
+          </a:p>
+        </p:txBody>
+      </p:sp>
+      <p:pic>
+        <p:nvPicPr>
+          <p:cNvPr id="14" name="Picture 13">
+            <a:extLst>
+              <a:ext uri="{FF2B5EF4-FFF2-40B4-BE49-F238E27FC236}">
+                <a16:creationId xmlns:a16="http://schemas.microsoft.com/office/drawing/2014/main" id="{87F9548F-1617-49AD-858B-74CCEBA64B0F}"/>
+              </a:ext>
+            </a:extLst>
+          </p:cNvPr>
+          <p:cNvPicPr>
+            <a:picLocks noChangeAspect="1"/>
+          </p:cNvPicPr>
+          <p:nvPr/>
+        </p:nvPicPr>
+        <p:blipFill rotWithShape="1">
+          <a:blip r:embed="rId4"/>
+          <a:srcRect l="3458" t="8857" r="71452" b="84453"/>
+          <a:stretch/>
+        </p:blipFill>
+        <p:spPr>
+          <a:xfrm>
+            <a:off x="4009352" y="893382"/>
+            <a:ext cx="2938305" cy="440710"/>
+          </a:xfrm>
+          <a:prstGeom prst="rect">
+            <a:avLst/>
+          </a:prstGeom>
+        </p:spPr>
+      </p:pic>
+      <p:pic>
+        <p:nvPicPr>
+          <p:cNvPr id="16" name="Picture 15">
+            <a:extLst>
+              <a:ext uri="{FF2B5EF4-FFF2-40B4-BE49-F238E27FC236}">
+                <a16:creationId xmlns:a16="http://schemas.microsoft.com/office/drawing/2014/main" id="{50B37147-E9B0-4C29-AA29-5C6331234695}"/>
+              </a:ext>
+            </a:extLst>
+          </p:cNvPr>
+          <p:cNvPicPr>
+            <a:picLocks noChangeAspect="1"/>
+          </p:cNvPicPr>
+          <p:nvPr/>
+        </p:nvPicPr>
+        <p:blipFill>
+          <a:blip r:embed="rId5"/>
+          <a:stretch>
+            <a:fillRect/>
+          </a:stretch>
+        </p:blipFill>
+        <p:spPr>
+          <a:xfrm>
+            <a:off x="7853583" y="381973"/>
+            <a:ext cx="3615722" cy="2387741"/>
+          </a:xfrm>
+          <a:prstGeom prst="rect">
+            <a:avLst/>
+          </a:prstGeom>
+        </p:spPr>
+      </p:pic>
+      <p:sp>
+        <p:nvSpPr>
+          <p:cNvPr id="17" name="Arrow: Right 16">
+            <a:extLst>
+              <a:ext uri="{FF2B5EF4-FFF2-40B4-BE49-F238E27FC236}">
+                <a16:creationId xmlns:a16="http://schemas.microsoft.com/office/drawing/2014/main" id="{4A2FFFEC-102C-43AE-A335-E57CB022926D}"/>
+              </a:ext>
+            </a:extLst>
+          </p:cNvPr>
+          <p:cNvSpPr/>
+          <p:nvPr/>
+        </p:nvSpPr>
+        <p:spPr>
+          <a:xfrm>
+            <a:off x="6886854" y="1413574"/>
+            <a:ext cx="904469" cy="355394"/>
+          </a:xfrm>
+          <a:prstGeom prst="rightArrow">
+            <a:avLst/>
+          </a:prstGeom>
+        </p:spPr>
+        <p:style>
+          <a:lnRef idx="2">
+            <a:schemeClr val="accent1">
+              <a:shade val="50000"/>
+            </a:schemeClr>
+          </a:lnRef>
+          <a:fillRef idx="1">
+            <a:schemeClr val="accent1"/>
+          </a:fillRef>
+          <a:effectRef idx="0">
+            <a:schemeClr val="accent1"/>
+          </a:effectRef>
+          <a:fontRef idx="minor">
+            <a:schemeClr val="lt1"/>
+          </a:fontRef>
+        </p:style>
+        <p:txBody>
+          <a:bodyPr rtlCol="0" anchor="ctr"/>
+          <a:lstStyle/>
+          <a:p>
+            <a:pPr algn="ctr"/>
+            <a:endParaRPr lang="en-US"/>
+          </a:p>
+        </p:txBody>
+      </p:sp>
+      <p:sp>
+        <p:nvSpPr>
+          <p:cNvPr id="18" name="TextBox 17">
+            <a:extLst>
+              <a:ext uri="{FF2B5EF4-FFF2-40B4-BE49-F238E27FC236}">
+                <a16:creationId xmlns:a16="http://schemas.microsoft.com/office/drawing/2014/main" id="{9C8F9A15-E842-4E0F-AB37-249CF1E08A7A}"/>
+              </a:ext>
+            </a:extLst>
+          </p:cNvPr>
+          <p:cNvSpPr txBox="1"/>
+          <p:nvPr/>
+        </p:nvSpPr>
+        <p:spPr>
+          <a:xfrm>
+            <a:off x="7642885" y="485323"/>
+            <a:ext cx="296876" cy="369332"/>
+          </a:xfrm>
+          <a:prstGeom prst="rect">
+            <a:avLst/>
+          </a:prstGeom>
+          <a:noFill/>
+        </p:spPr>
+        <p:txBody>
+          <a:bodyPr wrap="none" rtlCol="0">
+            <a:spAutoFit/>
+          </a:bodyPr>
+          <a:lstStyle/>
+          <a:p>
+            <a:r>
+              <a:rPr lang="en-US" dirty="0"/>
+              <a:t>Y</a:t>
+            </a:r>
+          </a:p>
+        </p:txBody>
+      </p:sp>
+      <p:sp>
+        <p:nvSpPr>
+          <p:cNvPr id="19" name="TextBox 18">
+            <a:extLst>
+              <a:ext uri="{FF2B5EF4-FFF2-40B4-BE49-F238E27FC236}">
+                <a16:creationId xmlns:a16="http://schemas.microsoft.com/office/drawing/2014/main" id="{B68F1058-DC16-41A5-8140-96C041A3BE2A}"/>
+              </a:ext>
+            </a:extLst>
+          </p:cNvPr>
+          <p:cNvSpPr txBox="1"/>
+          <p:nvPr/>
+        </p:nvSpPr>
+        <p:spPr>
+          <a:xfrm>
+            <a:off x="7642885" y="1016973"/>
+            <a:ext cx="296876" cy="369332"/>
+          </a:xfrm>
+          <a:prstGeom prst="rect">
+            <a:avLst/>
+          </a:prstGeom>
+          <a:noFill/>
+        </p:spPr>
+        <p:txBody>
+          <a:bodyPr wrap="none" rtlCol="0">
+            <a:spAutoFit/>
+          </a:bodyPr>
+          <a:lstStyle/>
+          <a:p>
+            <a:r>
+              <a:rPr lang="en-US" dirty="0"/>
+              <a:t>T</a:t>
+            </a:r>
+          </a:p>
+        </p:txBody>
+      </p:sp>
+      <p:sp>
+        <p:nvSpPr>
+          <p:cNvPr id="20" name="TextBox 19">
+            <a:extLst>
+              <a:ext uri="{FF2B5EF4-FFF2-40B4-BE49-F238E27FC236}">
+                <a16:creationId xmlns:a16="http://schemas.microsoft.com/office/drawing/2014/main" id="{0A818CC9-FD0E-42E6-8480-462F32543CC3}"/>
+              </a:ext>
+            </a:extLst>
+          </p:cNvPr>
+          <p:cNvSpPr txBox="1"/>
+          <p:nvPr/>
+        </p:nvSpPr>
+        <p:spPr>
+          <a:xfrm>
+            <a:off x="7684147" y="1548623"/>
+            <a:ext cx="290464" cy="369332"/>
+          </a:xfrm>
+          <a:prstGeom prst="rect">
+            <a:avLst/>
+          </a:prstGeom>
+          <a:noFill/>
+        </p:spPr>
+        <p:txBody>
+          <a:bodyPr wrap="none" rtlCol="0">
+            <a:spAutoFit/>
+          </a:bodyPr>
+          <a:lstStyle/>
+          <a:p>
+            <a:r>
+              <a:rPr lang="en-US" dirty="0"/>
+              <a:t>S</a:t>
+            </a:r>
+          </a:p>
+        </p:txBody>
+      </p:sp>
+      <p:sp>
+        <p:nvSpPr>
+          <p:cNvPr id="21" name="TextBox 20">
+            <a:extLst>
+              <a:ext uri="{FF2B5EF4-FFF2-40B4-BE49-F238E27FC236}">
+                <a16:creationId xmlns:a16="http://schemas.microsoft.com/office/drawing/2014/main" id="{BE9A95CF-8255-4F6E-AA88-D99C1341797F}"/>
+              </a:ext>
+            </a:extLst>
+          </p:cNvPr>
+          <p:cNvSpPr txBox="1"/>
+          <p:nvPr/>
+        </p:nvSpPr>
+        <p:spPr>
+          <a:xfrm>
+            <a:off x="7567024" y="2047348"/>
+            <a:ext cx="365806" cy="369332"/>
+          </a:xfrm>
+          <a:prstGeom prst="rect">
+            <a:avLst/>
+          </a:prstGeom>
+          <a:noFill/>
+        </p:spPr>
+        <p:txBody>
+          <a:bodyPr wrap="none" rtlCol="0">
+            <a:spAutoFit/>
+          </a:bodyPr>
+          <a:lstStyle/>
+          <a:p>
+            <a:r>
+              <a:rPr lang="en-US" dirty="0"/>
+              <a:t>CI</a:t>
+            </a:r>
+          </a:p>
+        </p:txBody>
+      </p:sp>
+      <p:pic>
+        <p:nvPicPr>
+          <p:cNvPr id="22" name="Picture 21">
+            <a:extLst>
+              <a:ext uri="{FF2B5EF4-FFF2-40B4-BE49-F238E27FC236}">
+                <a16:creationId xmlns:a16="http://schemas.microsoft.com/office/drawing/2014/main" id="{313014B5-7591-43E6-9751-BE195E5BF9BC}"/>
+              </a:ext>
+            </a:extLst>
+          </p:cNvPr>
+          <p:cNvPicPr>
+            <a:picLocks noChangeAspect="1"/>
+          </p:cNvPicPr>
+          <p:nvPr/>
+        </p:nvPicPr>
+        <p:blipFill rotWithShape="1">
+          <a:blip r:embed="rId6" cstate="print">
+            <a:extLst>
+              <a:ext uri="{28A0092B-C50C-407E-A947-70E740481C1C}">
+                <a14:useLocalDpi xmlns:a14="http://schemas.microsoft.com/office/drawing/2010/main"/>
+              </a:ext>
+            </a:extLst>
+          </a:blip>
+          <a:srcRect/>
+          <a:stretch/>
+        </p:blipFill>
+        <p:spPr>
+          <a:xfrm>
+            <a:off x="1328471" y="3891128"/>
+            <a:ext cx="4330861" cy="1656208"/>
+          </a:xfrm>
+          <a:prstGeom prst="rect">
+            <a:avLst/>
+          </a:prstGeom>
+        </p:spPr>
+      </p:pic>
+      <p:pic>
+        <p:nvPicPr>
+          <p:cNvPr id="23" name="Picture 22">
+            <a:extLst>
+              <a:ext uri="{FF2B5EF4-FFF2-40B4-BE49-F238E27FC236}">
+                <a16:creationId xmlns:a16="http://schemas.microsoft.com/office/drawing/2014/main" id="{E5067BD1-D7BB-4E5D-9360-151223B1DA80}"/>
+              </a:ext>
+            </a:extLst>
+          </p:cNvPr>
+          <p:cNvPicPr>
+            <a:picLocks noChangeAspect="1"/>
+          </p:cNvPicPr>
+          <p:nvPr/>
+        </p:nvPicPr>
+        <p:blipFill rotWithShape="1">
+          <a:blip r:embed="rId7" cstate="print">
+            <a:extLst>
+              <a:ext uri="{28A0092B-C50C-407E-A947-70E740481C1C}">
+                <a14:useLocalDpi xmlns:a14="http://schemas.microsoft.com/office/drawing/2010/main"/>
+              </a:ext>
+            </a:extLst>
+          </a:blip>
+          <a:srcRect/>
+          <a:stretch/>
+        </p:blipFill>
+        <p:spPr>
+          <a:xfrm>
+            <a:off x="6299702" y="3933715"/>
+            <a:ext cx="2552743" cy="1571034"/>
+          </a:xfrm>
+          <a:prstGeom prst="rect">
+            <a:avLst/>
+          </a:prstGeom>
+        </p:spPr>
+      </p:pic>
+      <p:sp>
+        <p:nvSpPr>
+          <p:cNvPr id="24" name="TextBox 23">
+            <a:extLst>
+              <a:ext uri="{FF2B5EF4-FFF2-40B4-BE49-F238E27FC236}">
+                <a16:creationId xmlns:a16="http://schemas.microsoft.com/office/drawing/2014/main" id="{7C3C98A2-328F-499C-9EF3-C21E60FE54FA}"/>
+              </a:ext>
+            </a:extLst>
+          </p:cNvPr>
+          <p:cNvSpPr txBox="1"/>
+          <p:nvPr/>
+        </p:nvSpPr>
+        <p:spPr>
+          <a:xfrm>
+            <a:off x="1407025" y="5624350"/>
+            <a:ext cx="4278206" cy="1200329"/>
+          </a:xfrm>
+          <a:prstGeom prst="rect">
+            <a:avLst/>
+          </a:prstGeom>
+          <a:noFill/>
+          <a:ln>
+            <a:solidFill>
+              <a:schemeClr val="tx1"/>
+            </a:solidFill>
+          </a:ln>
+        </p:spPr>
+        <p:txBody>
+          <a:bodyPr wrap="square" rtlCol="0">
+            <a:spAutoFit/>
+          </a:bodyPr>
+          <a:lstStyle/>
+          <a:p>
+            <a:r>
+              <a:rPr lang="en-US" sz="1200" dirty="0"/>
+              <a:t>Seasonal Variation Found by the Average Percentage Method.</a:t>
+            </a:r>
+          </a:p>
+          <a:p>
+            <a:pPr marL="228600" indent="-228600">
+              <a:buAutoNum type="arabicPeriod"/>
+            </a:pPr>
+            <a:r>
+              <a:rPr lang="en-US" sz="1200" dirty="0"/>
+              <a:t>Each month ridership data expressed as a percentages for the whole year ridership.</a:t>
+            </a:r>
+          </a:p>
+          <a:p>
+            <a:pPr marL="228600" indent="-228600">
+              <a:buAutoNum type="arabicPeriod"/>
+            </a:pPr>
+            <a:r>
+              <a:rPr lang="en-US" sz="1200" dirty="0"/>
+              <a:t>Percentages from corresponding months of different years are averaged.</a:t>
+            </a:r>
+          </a:p>
+          <a:p>
+            <a:pPr marL="228600" indent="-228600">
+              <a:buAutoNum type="arabicPeriod"/>
+            </a:pPr>
+            <a:r>
+              <a:rPr lang="en-US" sz="1200" dirty="0"/>
+              <a:t>The resulting twelve percentages are the seasonal index. </a:t>
+            </a:r>
+          </a:p>
+        </p:txBody>
+      </p:sp>
+      <p:pic>
+        <p:nvPicPr>
+          <p:cNvPr id="25" name="Picture 24">
+            <a:extLst>
+              <a:ext uri="{FF2B5EF4-FFF2-40B4-BE49-F238E27FC236}">
+                <a16:creationId xmlns:a16="http://schemas.microsoft.com/office/drawing/2014/main" id="{3AE566D8-84A8-4EEC-82F8-8D05EE56622C}"/>
+              </a:ext>
+            </a:extLst>
+          </p:cNvPr>
+          <p:cNvPicPr>
+            <a:picLocks noChangeAspect="1"/>
+          </p:cNvPicPr>
+          <p:nvPr/>
+        </p:nvPicPr>
+        <p:blipFill rotWithShape="1">
+          <a:blip r:embed="rId8" cstate="print">
+            <a:extLst>
+              <a:ext uri="{28A0092B-C50C-407E-A947-70E740481C1C}">
+                <a14:useLocalDpi xmlns:a14="http://schemas.microsoft.com/office/drawing/2010/main"/>
+              </a:ext>
+            </a:extLst>
+          </a:blip>
+          <a:srcRect r="9797"/>
+          <a:stretch/>
+        </p:blipFill>
+        <p:spPr>
+          <a:xfrm>
+            <a:off x="9066212" y="3877857"/>
+            <a:ext cx="1600431" cy="1813938"/>
+          </a:xfrm>
+          <a:prstGeom prst="rect">
+            <a:avLst/>
+          </a:prstGeom>
+        </p:spPr>
+      </p:pic>
+      <p:sp>
+        <p:nvSpPr>
+          <p:cNvPr id="35" name="Rectangle 34">
+            <a:extLst>
+              <a:ext uri="{FF2B5EF4-FFF2-40B4-BE49-F238E27FC236}">
+                <a16:creationId xmlns:a16="http://schemas.microsoft.com/office/drawing/2014/main" id="{07ADFE71-2018-443F-B8CA-83E4DB9FABC2}"/>
+              </a:ext>
+            </a:extLst>
+          </p:cNvPr>
+          <p:cNvSpPr/>
+          <p:nvPr/>
+        </p:nvSpPr>
+        <p:spPr>
+          <a:xfrm rot="5400000">
+            <a:off x="6955289" y="7804908"/>
+            <a:ext cx="568707" cy="198891"/>
+          </a:xfrm>
+          <a:prstGeom prst="rect">
+            <a:avLst/>
+          </a:prstGeom>
+        </p:spPr>
+        <p:style>
+          <a:lnRef idx="2">
+            <a:schemeClr val="accent1">
+              <a:shade val="50000"/>
+            </a:schemeClr>
+          </a:lnRef>
+          <a:fillRef idx="1">
+            <a:schemeClr val="accent1"/>
+          </a:fillRef>
+          <a:effectRef idx="0">
+            <a:schemeClr val="accent1"/>
+          </a:effectRef>
+          <a:fontRef idx="minor">
+            <a:schemeClr val="lt1"/>
+          </a:fontRef>
+        </p:style>
+        <p:txBody>
+          <a:bodyPr rtlCol="0" anchor="ctr"/>
+          <a:lstStyle/>
+          <a:p>
+            <a:pPr algn="ctr"/>
+            <a:endParaRPr lang="en-US"/>
+          </a:p>
+        </p:txBody>
+      </p:sp>
+      <p:cxnSp>
+        <p:nvCxnSpPr>
+          <p:cNvPr id="49" name="Straight Connector 48">
+            <a:extLst>
+              <a:ext uri="{FF2B5EF4-FFF2-40B4-BE49-F238E27FC236}">
+                <a16:creationId xmlns:a16="http://schemas.microsoft.com/office/drawing/2014/main" id="{F5FE59E4-B163-47CE-9878-370540E4558D}"/>
+              </a:ext>
+            </a:extLst>
+          </p:cNvPr>
+          <p:cNvCxnSpPr/>
+          <p:nvPr/>
+        </p:nvCxnSpPr>
+        <p:spPr>
+          <a:xfrm>
+            <a:off x="11457993" y="1201639"/>
+            <a:ext cx="457200" cy="0"/>
+          </a:xfrm>
+          <a:prstGeom prst="line">
+            <a:avLst/>
+          </a:prstGeom>
+          <a:ln w="38100"/>
+        </p:spPr>
+        <p:style>
+          <a:lnRef idx="1">
+            <a:schemeClr val="accent1"/>
+          </a:lnRef>
+          <a:fillRef idx="0">
+            <a:schemeClr val="accent1"/>
+          </a:fillRef>
+          <a:effectRef idx="0">
+            <a:schemeClr val="accent1"/>
+          </a:effectRef>
+          <a:fontRef idx="minor">
+            <a:schemeClr val="tx1"/>
+          </a:fontRef>
+        </p:style>
+      </p:cxnSp>
+      <p:cxnSp>
+        <p:nvCxnSpPr>
+          <p:cNvPr id="51" name="Straight Connector 50">
+            <a:extLst>
+              <a:ext uri="{FF2B5EF4-FFF2-40B4-BE49-F238E27FC236}">
+                <a16:creationId xmlns:a16="http://schemas.microsoft.com/office/drawing/2014/main" id="{2FD8F06D-578F-4872-A39F-D3C38B70FE9A}"/>
+              </a:ext>
+            </a:extLst>
+          </p:cNvPr>
+          <p:cNvCxnSpPr/>
+          <p:nvPr/>
+        </p:nvCxnSpPr>
+        <p:spPr>
+          <a:xfrm>
+            <a:off x="11915193" y="1201639"/>
+            <a:ext cx="0" cy="2583089"/>
+          </a:xfrm>
+          <a:prstGeom prst="line">
+            <a:avLst/>
+          </a:prstGeom>
+          <a:ln w="38100"/>
+        </p:spPr>
+        <p:style>
+          <a:lnRef idx="1">
+            <a:schemeClr val="accent1"/>
+          </a:lnRef>
+          <a:fillRef idx="0">
+            <a:schemeClr val="accent1"/>
+          </a:fillRef>
+          <a:effectRef idx="0">
+            <a:schemeClr val="accent1"/>
+          </a:effectRef>
+          <a:fontRef idx="minor">
+            <a:schemeClr val="tx1"/>
+          </a:fontRef>
+        </p:style>
+      </p:cxnSp>
+      <p:cxnSp>
+        <p:nvCxnSpPr>
+          <p:cNvPr id="53" name="Straight Connector 52">
+            <a:extLst>
+              <a:ext uri="{FF2B5EF4-FFF2-40B4-BE49-F238E27FC236}">
+                <a16:creationId xmlns:a16="http://schemas.microsoft.com/office/drawing/2014/main" id="{987C2FF0-1DD4-4FB1-BD1C-A4D613274DA5}"/>
+              </a:ext>
+            </a:extLst>
+          </p:cNvPr>
+          <p:cNvCxnSpPr/>
+          <p:nvPr/>
+        </p:nvCxnSpPr>
+        <p:spPr>
+          <a:xfrm flipH="1">
+            <a:off x="684212" y="3784728"/>
+            <a:ext cx="11230981" cy="0"/>
+          </a:xfrm>
+          <a:prstGeom prst="line">
+            <a:avLst/>
+          </a:prstGeom>
+          <a:ln w="38100"/>
+        </p:spPr>
+        <p:style>
+          <a:lnRef idx="1">
+            <a:schemeClr val="accent1"/>
+          </a:lnRef>
+          <a:fillRef idx="0">
+            <a:schemeClr val="accent1"/>
+          </a:fillRef>
+          <a:effectRef idx="0">
+            <a:schemeClr val="accent1"/>
+          </a:effectRef>
+          <a:fontRef idx="minor">
+            <a:schemeClr val="tx1"/>
+          </a:fontRef>
+        </p:style>
+      </p:cxnSp>
+      <p:cxnSp>
+        <p:nvCxnSpPr>
+          <p:cNvPr id="55" name="Straight Connector 54">
+            <a:extLst>
+              <a:ext uri="{FF2B5EF4-FFF2-40B4-BE49-F238E27FC236}">
+                <a16:creationId xmlns:a16="http://schemas.microsoft.com/office/drawing/2014/main" id="{F6189A9D-947B-4710-8D04-B3CAAA7972A6}"/>
+              </a:ext>
+            </a:extLst>
+          </p:cNvPr>
+          <p:cNvCxnSpPr>
+            <a:cxnSpLocks/>
+          </p:cNvCxnSpPr>
+          <p:nvPr/>
+        </p:nvCxnSpPr>
+        <p:spPr>
+          <a:xfrm>
+            <a:off x="684212" y="3784728"/>
+            <a:ext cx="0" cy="901687"/>
+          </a:xfrm>
+          <a:prstGeom prst="line">
+            <a:avLst/>
+          </a:prstGeom>
+          <a:ln w="38100"/>
+        </p:spPr>
+        <p:style>
+          <a:lnRef idx="1">
+            <a:schemeClr val="accent1"/>
+          </a:lnRef>
+          <a:fillRef idx="0">
+            <a:schemeClr val="accent1"/>
+          </a:fillRef>
+          <a:effectRef idx="0">
+            <a:schemeClr val="accent1"/>
+          </a:effectRef>
+          <a:fontRef idx="minor">
+            <a:schemeClr val="tx1"/>
+          </a:fontRef>
+        </p:style>
+      </p:cxnSp>
+      <p:cxnSp>
+        <p:nvCxnSpPr>
+          <p:cNvPr id="57" name="Straight Arrow Connector 56">
+            <a:extLst>
+              <a:ext uri="{FF2B5EF4-FFF2-40B4-BE49-F238E27FC236}">
+                <a16:creationId xmlns:a16="http://schemas.microsoft.com/office/drawing/2014/main" id="{166C3A23-B721-4EC3-B88E-5AC0A86AA57C}"/>
+              </a:ext>
+            </a:extLst>
+          </p:cNvPr>
+          <p:cNvCxnSpPr>
+            <a:cxnSpLocks/>
+          </p:cNvCxnSpPr>
+          <p:nvPr/>
+        </p:nvCxnSpPr>
+        <p:spPr>
+          <a:xfrm>
+            <a:off x="684212" y="4686415"/>
+            <a:ext cx="614471" cy="0"/>
+          </a:xfrm>
+          <a:prstGeom prst="straightConnector1">
+            <a:avLst/>
+          </a:prstGeom>
+          <a:ln w="38100">
+            <a:tailEnd type="triangle"/>
+          </a:ln>
+        </p:spPr>
+        <p:style>
+          <a:lnRef idx="1">
+            <a:schemeClr val="accent1"/>
+          </a:lnRef>
+          <a:fillRef idx="0">
+            <a:schemeClr val="accent1"/>
+          </a:fillRef>
+          <a:effectRef idx="0">
+            <a:schemeClr val="accent1"/>
+          </a:effectRef>
+          <a:fontRef idx="minor">
+            <a:schemeClr val="tx1"/>
+          </a:fontRef>
+        </p:style>
+      </p:cxnSp>
+      <p:cxnSp>
+        <p:nvCxnSpPr>
+          <p:cNvPr id="61" name="Straight Arrow Connector 60">
+            <a:extLst>
+              <a:ext uri="{FF2B5EF4-FFF2-40B4-BE49-F238E27FC236}">
+                <a16:creationId xmlns:a16="http://schemas.microsoft.com/office/drawing/2014/main" id="{8BE2E25D-BD52-4901-846C-6AFD7B9C7173}"/>
+              </a:ext>
+            </a:extLst>
+          </p:cNvPr>
+          <p:cNvCxnSpPr>
+            <a:cxnSpLocks/>
+          </p:cNvCxnSpPr>
+          <p:nvPr/>
+        </p:nvCxnSpPr>
+        <p:spPr>
+          <a:xfrm>
+            <a:off x="5685231" y="4670842"/>
+            <a:ext cx="614471" cy="0"/>
+          </a:xfrm>
+          <a:prstGeom prst="straightConnector1">
+            <a:avLst/>
+          </a:prstGeom>
+          <a:ln w="38100">
+            <a:tailEnd type="triangle"/>
+          </a:ln>
+        </p:spPr>
+        <p:style>
+          <a:lnRef idx="1">
+            <a:schemeClr val="accent1"/>
+          </a:lnRef>
+          <a:fillRef idx="0">
+            <a:schemeClr val="accent1"/>
+          </a:fillRef>
+          <a:effectRef idx="0">
+            <a:schemeClr val="accent1"/>
+          </a:effectRef>
+          <a:fontRef idx="minor">
+            <a:schemeClr val="tx1"/>
+          </a:fontRef>
+        </p:style>
+      </p:cxnSp>
+      <p:sp>
+        <p:nvSpPr>
+          <p:cNvPr id="62" name="TextBox 61">
+            <a:extLst>
+              <a:ext uri="{FF2B5EF4-FFF2-40B4-BE49-F238E27FC236}">
+                <a16:creationId xmlns:a16="http://schemas.microsoft.com/office/drawing/2014/main" id="{EF240A04-5361-45A3-9DC8-605CE2DCFC65}"/>
+              </a:ext>
+            </a:extLst>
+          </p:cNvPr>
+          <p:cNvSpPr txBox="1"/>
+          <p:nvPr/>
+        </p:nvSpPr>
+        <p:spPr>
+          <a:xfrm>
+            <a:off x="6894636" y="5615887"/>
+            <a:ext cx="1579022" cy="369204"/>
+          </a:xfrm>
+          <a:prstGeom prst="rect">
+            <a:avLst/>
+          </a:prstGeom>
+          <a:noFill/>
+          <a:ln>
+            <a:solidFill>
+              <a:schemeClr val="tx1"/>
+            </a:solidFill>
+          </a:ln>
+        </p:spPr>
+        <p:txBody>
+          <a:bodyPr wrap="none" rtlCol="0">
+            <a:spAutoFit/>
+          </a:bodyPr>
+          <a:lstStyle/>
+          <a:p>
+            <a:pPr defTabSz="914126"/>
+            <a:r>
+              <a:rPr lang="en-US" sz="1799" dirty="0">
+                <a:solidFill>
+                  <a:prstClr val="black"/>
+                </a:solidFill>
+                <a:latin typeface="Calibri" panose="020F0502020204030204"/>
+              </a:rPr>
+              <a:t>Seasonal Index</a:t>
+            </a:r>
+          </a:p>
+        </p:txBody>
+      </p:sp>
+      <p:pic>
+        <p:nvPicPr>
+          <p:cNvPr id="63" name="Picture 62">
+            <a:extLst>
+              <a:ext uri="{FF2B5EF4-FFF2-40B4-BE49-F238E27FC236}">
+                <a16:creationId xmlns:a16="http://schemas.microsoft.com/office/drawing/2014/main" id="{78AFC969-9CA6-4306-8511-D0B6EAB71B74}"/>
+              </a:ext>
+            </a:extLst>
+          </p:cNvPr>
+          <p:cNvPicPr>
+            <a:picLocks noChangeAspect="1"/>
+          </p:cNvPicPr>
+          <p:nvPr/>
+        </p:nvPicPr>
+        <p:blipFill rotWithShape="1">
+          <a:blip r:embed="rId9"/>
+          <a:srcRect l="23137" t="27409" r="42652" b="53334"/>
+          <a:stretch/>
+        </p:blipFill>
+        <p:spPr>
+          <a:xfrm>
+            <a:off x="8294861" y="2739172"/>
+            <a:ext cx="2883928" cy="913105"/>
+          </a:xfrm>
+          <a:prstGeom prst="rect">
+            <a:avLst/>
+          </a:prstGeom>
+        </p:spPr>
+      </p:pic>
+      <p:pic>
+        <p:nvPicPr>
+          <p:cNvPr id="64" name="Picture 63">
+            <a:extLst>
+              <a:ext uri="{FF2B5EF4-FFF2-40B4-BE49-F238E27FC236}">
+                <a16:creationId xmlns:a16="http://schemas.microsoft.com/office/drawing/2014/main" id="{B686C678-DCC8-4D49-B2DF-A75473436EBA}"/>
+              </a:ext>
+            </a:extLst>
+          </p:cNvPr>
+          <p:cNvPicPr>
+            <a:picLocks noChangeAspect="1"/>
+          </p:cNvPicPr>
+          <p:nvPr/>
+        </p:nvPicPr>
+        <p:blipFill rotWithShape="1">
+          <a:blip r:embed="rId10"/>
+          <a:srcRect l="23118" t="22544" r="18116" b="30753"/>
+          <a:stretch/>
+        </p:blipFill>
+        <p:spPr>
+          <a:xfrm>
+            <a:off x="3969345" y="2444200"/>
+            <a:ext cx="2757567" cy="1232749"/>
+          </a:xfrm>
+          <a:prstGeom prst="rect">
+            <a:avLst/>
+          </a:prstGeom>
+        </p:spPr>
+      </p:pic>
+      <p:sp>
+        <p:nvSpPr>
+          <p:cNvPr id="65" name="Arrow: Right 64">
+            <a:extLst>
+              <a:ext uri="{FF2B5EF4-FFF2-40B4-BE49-F238E27FC236}">
+                <a16:creationId xmlns:a16="http://schemas.microsoft.com/office/drawing/2014/main" id="{6D47CD65-CF73-4331-A915-1A139E835487}"/>
+              </a:ext>
+            </a:extLst>
+          </p:cNvPr>
+          <p:cNvSpPr/>
+          <p:nvPr/>
+        </p:nvSpPr>
+        <p:spPr>
+          <a:xfrm>
+            <a:off x="6898377" y="2850175"/>
+            <a:ext cx="904469" cy="355394"/>
+          </a:xfrm>
+          <a:prstGeom prst="rightArrow">
+            <a:avLst/>
+          </a:prstGeom>
+        </p:spPr>
+        <p:style>
+          <a:lnRef idx="2">
+            <a:schemeClr val="accent1">
+              <a:shade val="50000"/>
+            </a:schemeClr>
+          </a:lnRef>
+          <a:fillRef idx="1">
+            <a:schemeClr val="accent1"/>
+          </a:fillRef>
+          <a:effectRef idx="0">
+            <a:schemeClr val="accent1"/>
+          </a:effectRef>
+          <a:fontRef idx="minor">
+            <a:schemeClr val="lt1"/>
+          </a:fontRef>
+        </p:style>
+        <p:txBody>
+          <a:bodyPr rtlCol="0" anchor="ctr"/>
+          <a:lstStyle/>
+          <a:p>
+            <a:pPr algn="ctr"/>
+            <a:endParaRPr lang="en-US"/>
+          </a:p>
+        </p:txBody>
+      </p:sp>
+    </p:spTree>
+    <p:extLst>
+      <p:ext uri="{BB962C8B-B14F-4D97-AF65-F5344CB8AC3E}">
+        <p14:creationId xmlns:p14="http://schemas.microsoft.com/office/powerpoint/2010/main" val="2256573787"/>
       </p:ext>
     </p:extLst>
   </p:cSld>

--- a/Report/Class_presentation_ver2 annotated.pptx
+++ b/Report/Class_presentation_ver2 annotated.pptx
@@ -15,7 +15,7 @@
     <p:sldId id="256" r:id="rId3"/>
     <p:sldId id="286" r:id="rId4"/>
     <p:sldId id="288" r:id="rId5"/>
-    <p:sldId id="266" r:id="rId6"/>
+    <p:sldId id="290" r:id="rId6"/>
     <p:sldId id="289" r:id="rId7"/>
   </p:sldIdLst>
   <p:sldSz cx="12188825" cy="6858000"/>
@@ -235,7 +235,7 @@
           <a:p>
             <a:fld id="{BDB7646E-8811-423A-9C42-2CBFADA00A96}" type="datetimeFigureOut">
               <a:rPr lang="en-US" smtClean="0"/>
-              <a:t>4/19/2018</a:t>
+              <a:t>4/20/2018</a:t>
             </a:fld>
             <a:endParaRPr lang="en-US"/>
           </a:p>
@@ -409,7 +409,7 @@
             <a:fld id="{D677E230-58DD-43ED-96A1-552DDAB53532}" type="datetimeFigureOut">
               <a:rPr lang="en-US" smtClean="0"/>
               <a:pPr/>
-              <a:t>4/19/2018</a:t>
+              <a:t>4/20/2018</a:t>
             </a:fld>
             <a:endParaRPr lang="en-US"/>
           </a:p>
@@ -1311,7 +1311,7 @@
             <a:fld id="{C2C6F8EA-316C-41DE-B9A4-EDCC3A85ED9A}" type="datetimeFigureOut">
               <a:rPr lang="en-US" smtClean="0"/>
               <a:pPr/>
-              <a:t>4/19/2018</a:t>
+              <a:t>4/20/2018</a:t>
             </a:fld>
             <a:endParaRPr lang="en-US" dirty="0"/>
           </a:p>
@@ -1418,10 +1418,10 @@
             <p:nvPr userDrawn="1"/>
           </p:nvPicPr>
           <p:blipFill>
-            <a:blip r:embed="rId2">
+            <a:blip r:embed="rId2" cstate="email">
               <a:extLst>
                 <a:ext uri="{28A0092B-C50C-407E-A947-70E740481C1C}">
-                  <a14:useLocalDpi xmlns:a14="http://schemas.microsoft.com/office/drawing/2010/main" val="0"/>
+                  <a14:useLocalDpi xmlns:a14="http://schemas.microsoft.com/office/drawing/2010/main"/>
                 </a:ext>
               </a:extLst>
             </a:blip>
@@ -1644,7 +1644,7 @@
           <a:p>
             <a:fld id="{C2C6F8EA-316C-41DE-B9A4-EDCC3A85ED9A}" type="datetimeFigureOut">
               <a:rPr lang="en-US"/>
-              <a:t>4/19/2018</a:t>
+              <a:t>4/20/2018</a:t>
             </a:fld>
             <a:endParaRPr/>
           </a:p>
@@ -2463,7 +2463,7 @@
           <a:p>
             <a:fld id="{C2C6F8EA-316C-41DE-B9A4-EDCC3A85ED9A}" type="datetimeFigureOut">
               <a:rPr lang="en-US"/>
-              <a:t>4/19/2018</a:t>
+              <a:t>4/20/2018</a:t>
             </a:fld>
             <a:endParaRPr/>
           </a:p>
@@ -2687,7 +2687,7 @@
           <a:p>
             <a:fld id="{8C43C9D5-1486-4F1A-8A18-D2156D1F68B5}" type="datetimeFigureOut">
               <a:rPr lang="en-US" smtClean="0"/>
-              <a:t>4/19/2018</a:t>
+              <a:t>4/20/2018</a:t>
             </a:fld>
             <a:endParaRPr lang="en-US"/>
           </a:p>
@@ -2885,7 +2885,7 @@
           <a:p>
             <a:fld id="{8C43C9D5-1486-4F1A-8A18-D2156D1F68B5}" type="datetimeFigureOut">
               <a:rPr lang="en-US" smtClean="0"/>
-              <a:t>4/19/2018</a:t>
+              <a:t>4/20/2018</a:t>
             </a:fld>
             <a:endParaRPr lang="en-US"/>
           </a:p>
@@ -3160,7 +3160,7 @@
           <a:p>
             <a:fld id="{8C43C9D5-1486-4F1A-8A18-D2156D1F68B5}" type="datetimeFigureOut">
               <a:rPr lang="en-US" smtClean="0"/>
-              <a:t>4/19/2018</a:t>
+              <a:t>4/20/2018</a:t>
             </a:fld>
             <a:endParaRPr lang="en-US"/>
           </a:p>
@@ -3425,7 +3425,7 @@
           <a:p>
             <a:fld id="{8C43C9D5-1486-4F1A-8A18-D2156D1F68B5}" type="datetimeFigureOut">
               <a:rPr lang="en-US" smtClean="0"/>
-              <a:t>4/19/2018</a:t>
+              <a:t>4/20/2018</a:t>
             </a:fld>
             <a:endParaRPr lang="en-US"/>
           </a:p>
@@ -3837,7 +3837,7 @@
           <a:p>
             <a:fld id="{8C43C9D5-1486-4F1A-8A18-D2156D1F68B5}" type="datetimeFigureOut">
               <a:rPr lang="en-US" smtClean="0"/>
-              <a:t>4/19/2018</a:t>
+              <a:t>4/20/2018</a:t>
             </a:fld>
             <a:endParaRPr lang="en-US"/>
           </a:p>
@@ -3978,7 +3978,7 @@
           <a:p>
             <a:fld id="{8C43C9D5-1486-4F1A-8A18-D2156D1F68B5}" type="datetimeFigureOut">
               <a:rPr lang="en-US" smtClean="0"/>
-              <a:t>4/19/2018</a:t>
+              <a:t>4/20/2018</a:t>
             </a:fld>
             <a:endParaRPr lang="en-US"/>
           </a:p>
@@ -4091,7 +4091,7 @@
           <a:p>
             <a:fld id="{8C43C9D5-1486-4F1A-8A18-D2156D1F68B5}" type="datetimeFigureOut">
               <a:rPr lang="en-US" smtClean="0"/>
-              <a:t>4/19/2018</a:t>
+              <a:t>4/20/2018</a:t>
             </a:fld>
             <a:endParaRPr lang="en-US"/>
           </a:p>
@@ -4402,7 +4402,7 @@
           <a:p>
             <a:fld id="{8C43C9D5-1486-4F1A-8A18-D2156D1F68B5}" type="datetimeFigureOut">
               <a:rPr lang="en-US" smtClean="0"/>
-              <a:t>4/19/2018</a:t>
+              <a:t>4/20/2018</a:t>
             </a:fld>
             <a:endParaRPr lang="en-US"/>
           </a:p>
@@ -4600,7 +4600,7 @@
           <a:p>
             <a:fld id="{C2C6F8EA-316C-41DE-B9A4-EDCC3A85ED9A}" type="datetimeFigureOut">
               <a:rPr lang="en-US"/>
-              <a:t>4/19/2018</a:t>
+              <a:t>4/20/2018</a:t>
             </a:fld>
             <a:endParaRPr dirty="0"/>
           </a:p>
@@ -4685,10 +4685,10 @@
             <p:nvPr userDrawn="1"/>
           </p:nvPicPr>
           <p:blipFill>
-            <a:blip r:embed="rId2">
+            <a:blip r:embed="rId2" cstate="email">
               <a:extLst>
                 <a:ext uri="{28A0092B-C50C-407E-A947-70E740481C1C}">
-                  <a14:useLocalDpi xmlns:a14="http://schemas.microsoft.com/office/drawing/2010/main" val="0"/>
+                  <a14:useLocalDpi xmlns:a14="http://schemas.microsoft.com/office/drawing/2010/main"/>
                 </a:ext>
               </a:extLst>
             </a:blip>
@@ -5007,7 +5007,7 @@
           <a:p>
             <a:fld id="{8C43C9D5-1486-4F1A-8A18-D2156D1F68B5}" type="datetimeFigureOut">
               <a:rPr lang="en-US" smtClean="0"/>
-              <a:t>4/19/2018</a:t>
+              <a:t>4/20/2018</a:t>
             </a:fld>
             <a:endParaRPr lang="en-US"/>
           </a:p>
@@ -5205,7 +5205,7 @@
           <a:p>
             <a:fld id="{8C43C9D5-1486-4F1A-8A18-D2156D1F68B5}" type="datetimeFigureOut">
               <a:rPr lang="en-US" smtClean="0"/>
-              <a:t>4/19/2018</a:t>
+              <a:t>4/20/2018</a:t>
             </a:fld>
             <a:endParaRPr lang="en-US"/>
           </a:p>
@@ -5413,7 +5413,7 @@
           <a:p>
             <a:fld id="{8C43C9D5-1486-4F1A-8A18-D2156D1F68B5}" type="datetimeFigureOut">
               <a:rPr lang="en-US" smtClean="0"/>
-              <a:t>4/19/2018</a:t>
+              <a:t>4/20/2018</a:t>
             </a:fld>
             <a:endParaRPr lang="en-US"/>
           </a:p>
@@ -6676,7 +6676,7 @@
             <a:fld id="{C2C6F8EA-316C-41DE-B9A4-EDCC3A85ED9A}" type="datetimeFigureOut">
               <a:rPr lang="en-US" smtClean="0"/>
               <a:pPr/>
-              <a:t>4/19/2018</a:t>
+              <a:t>4/20/2018</a:t>
             </a:fld>
             <a:endParaRPr lang="en-US" dirty="0"/>
           </a:p>
@@ -7002,7 +7002,7 @@
           <a:p>
             <a:fld id="{C2C6F8EA-316C-41DE-B9A4-EDCC3A85ED9A}" type="datetimeFigureOut">
               <a:rPr lang="en-US"/>
-              <a:t>4/19/2018</a:t>
+              <a:t>4/20/2018</a:t>
             </a:fld>
             <a:endParaRPr/>
           </a:p>
@@ -7454,7 +7454,7 @@
           <a:p>
             <a:fld id="{C2C6F8EA-316C-41DE-B9A4-EDCC3A85ED9A}" type="datetimeFigureOut">
               <a:rPr lang="en-US"/>
-              <a:t>4/19/2018</a:t>
+              <a:t>4/20/2018</a:t>
             </a:fld>
             <a:endParaRPr/>
           </a:p>
@@ -7588,7 +7588,7 @@
           <a:p>
             <a:fld id="{C2C6F8EA-316C-41DE-B9A4-EDCC3A85ED9A}" type="datetimeFigureOut">
               <a:rPr lang="en-US"/>
-              <a:t>4/19/2018</a:t>
+              <a:t>4/20/2018</a:t>
             </a:fld>
             <a:endParaRPr/>
           </a:p>
@@ -7673,10 +7673,10 @@
             <p:nvPr userDrawn="1"/>
           </p:nvPicPr>
           <p:blipFill>
-            <a:blip r:embed="rId2">
+            <a:blip r:embed="rId2" cstate="email">
               <a:extLst>
                 <a:ext uri="{28A0092B-C50C-407E-A947-70E740481C1C}">
-                  <a14:useLocalDpi xmlns:a14="http://schemas.microsoft.com/office/drawing/2010/main" val="0"/>
+                  <a14:useLocalDpi xmlns:a14="http://schemas.microsoft.com/office/drawing/2010/main"/>
                 </a:ext>
               </a:extLst>
             </a:blip>
@@ -8042,7 +8042,7 @@
           <a:p>
             <a:fld id="{C2C6F8EA-316C-41DE-B9A4-EDCC3A85ED9A}" type="datetimeFigureOut">
               <a:rPr lang="en-US"/>
-              <a:t>4/19/2018</a:t>
+              <a:t>4/20/2018</a:t>
             </a:fld>
             <a:endParaRPr/>
           </a:p>
@@ -8538,7 +8538,7 @@
           <a:p>
             <a:fld id="{C2C6F8EA-316C-41DE-B9A4-EDCC3A85ED9A}" type="datetimeFigureOut">
               <a:rPr lang="en-US"/>
-              <a:t>4/19/2018</a:t>
+              <a:t>4/20/2018</a:t>
             </a:fld>
             <a:endParaRPr/>
           </a:p>
@@ -8991,7 +8991,7 @@
             <a:fld id="{C2C6F8EA-316C-41DE-B9A4-EDCC3A85ED9A}" type="datetimeFigureOut">
               <a:rPr lang="en-US" smtClean="0"/>
               <a:pPr/>
-              <a:t>4/19/2018</a:t>
+              <a:t>4/20/2018</a:t>
             </a:fld>
             <a:endParaRPr lang="en-US" dirty="0"/>
           </a:p>
@@ -9894,7 +9894,7 @@
             <a:fld id="{C2C6F8EA-316C-41DE-B9A4-EDCC3A85ED9A}" type="datetimeFigureOut">
               <a:rPr lang="en-US" smtClean="0"/>
               <a:pPr/>
-              <a:t>4/19/2018</a:t>
+              <a:t>4/20/2018</a:t>
             </a:fld>
             <a:endParaRPr lang="en-US" dirty="0"/>
           </a:p>
@@ -10481,7 +10481,7 @@
           <a:p>
             <a:fld id="{8C43C9D5-1486-4F1A-8A18-D2156D1F68B5}" type="datetimeFigureOut">
               <a:rPr lang="en-US" smtClean="0"/>
-              <a:t>4/19/2018</a:t>
+              <a:t>4/20/2018</a:t>
             </a:fld>
             <a:endParaRPr lang="en-US"/>
           </a:p>
@@ -11619,8 +11619,8 @@
         </p:nvSpPr>
         <p:spPr>
           <a:xfrm>
-            <a:off x="0" y="806026"/>
-            <a:ext cx="1941821" cy="369236"/>
+            <a:off x="989020" y="666564"/>
+            <a:ext cx="1208886" cy="646074"/>
           </a:xfrm>
           <a:prstGeom prst="rect">
             <a:avLst/>
@@ -11633,7 +11633,7 @@
           </a:ln>
         </p:spPr>
         <p:txBody>
-          <a:bodyPr wrap="none" rtlCol="0">
+          <a:bodyPr wrap="square" rtlCol="0">
             <a:spAutoFit/>
           </a:bodyPr>
           <a:lstStyle/>
@@ -11665,8 +11665,8 @@
         </p:nvSpPr>
         <p:spPr>
           <a:xfrm>
-            <a:off x="359269" y="360125"/>
-            <a:ext cx="1072322" cy="369236"/>
+            <a:off x="-79124" y="120802"/>
+            <a:ext cx="2556727" cy="369204"/>
           </a:xfrm>
           <a:prstGeom prst="rect">
             <a:avLst/>
@@ -11687,7 +11687,7 @@
                 </a:solidFill>
                 <a:latin typeface="Calibri" panose="020F0502020204030204"/>
               </a:rPr>
-              <a:t>Raw Data</a:t>
+              <a:t>Raw Data from Web Sites</a:t>
             </a:r>
           </a:p>
         </p:txBody>
@@ -11708,8 +11708,8 @@
         </p:nvCxnSpPr>
         <p:spPr>
           <a:xfrm>
-            <a:off x="1941821" y="990644"/>
-            <a:ext cx="809052" cy="0"/>
+            <a:off x="2208212" y="990644"/>
+            <a:ext cx="542661" cy="0"/>
           </a:xfrm>
           <a:prstGeom prst="straightConnector1">
             <a:avLst/>
@@ -11750,8 +11750,8 @@
         </p:nvSpPr>
         <p:spPr>
           <a:xfrm>
-            <a:off x="928666" y="1838874"/>
-            <a:ext cx="1013155" cy="369236"/>
+            <a:off x="1026630" y="1825788"/>
+            <a:ext cx="1181582" cy="369236"/>
           </a:xfrm>
           <a:prstGeom prst="rect">
             <a:avLst/>
@@ -11764,12 +11764,12 @@
           </a:ln>
         </p:spPr>
         <p:txBody>
-          <a:bodyPr wrap="none" rtlCol="0">
+          <a:bodyPr wrap="square" rtlCol="0">
             <a:spAutoFit/>
           </a:bodyPr>
           <a:lstStyle/>
           <a:p>
-            <a:pPr defTabSz="914126"/>
+            <a:pPr algn="ctr" defTabSz="914126"/>
             <a:r>
               <a:rPr lang="en-US" sz="1799" dirty="0">
                 <a:solidFill>
@@ -11797,7 +11797,7 @@
         <p:spPr>
           <a:xfrm>
             <a:off x="2750873" y="806026"/>
-            <a:ext cx="1989194" cy="369236"/>
+            <a:ext cx="2351378" cy="369236"/>
           </a:xfrm>
           <a:prstGeom prst="rect">
             <a:avLst/>
@@ -11810,7 +11810,7 @@
           </a:ln>
         </p:spPr>
         <p:txBody>
-          <a:bodyPr wrap="none" rtlCol="0">
+          <a:bodyPr wrap="square" rtlCol="0">
             <a:spAutoFit/>
           </a:bodyPr>
           <a:lstStyle/>
@@ -11843,9 +11843,9 @@
           <p:nvPr/>
         </p:nvCxnSpPr>
         <p:spPr>
-          <a:xfrm>
-            <a:off x="1941821" y="2014029"/>
-            <a:ext cx="809052" cy="0"/>
+          <a:xfrm flipV="1">
+            <a:off x="2208212" y="2014029"/>
+            <a:ext cx="542661" cy="6880"/>
           </a:xfrm>
           <a:prstGeom prst="straightConnector1">
             <a:avLst/>
@@ -11886,8 +11886,8 @@
         </p:nvSpPr>
         <p:spPr>
           <a:xfrm>
-            <a:off x="2750873" y="1697828"/>
-            <a:ext cx="1989194" cy="646163"/>
+            <a:off x="2743200" y="2218537"/>
+            <a:ext cx="2359050" cy="646163"/>
           </a:xfrm>
           <a:prstGeom prst="rect">
             <a:avLst/>
@@ -11913,7 +11913,7 @@
                 </a:solidFill>
                 <a:latin typeface="Calibri" panose="020F0502020204030204"/>
               </a:rPr>
-              <a:t>Read into Pandas </a:t>
+              <a:t>Read CSV Files into Pandas </a:t>
             </a:r>
             <a:r>
               <a:rPr lang="en-US" sz="1799" dirty="0" err="1">
@@ -11944,13 +11944,12 @@
           </p:cNvPr>
           <p:cNvCxnSpPr>
             <a:cxnSpLocks/>
-            <a:stCxn id="8" idx="2"/>
           </p:cNvCxnSpPr>
           <p:nvPr/>
         </p:nvCxnSpPr>
         <p:spPr>
           <a:xfrm>
-            <a:off x="3745470" y="1175262"/>
+            <a:off x="3838744" y="1175262"/>
             <a:ext cx="0" cy="522566"/>
           </a:xfrm>
           <a:prstGeom prst="straightConnector1">
@@ -11989,14 +11988,13 @@
           </p:cNvPr>
           <p:cNvCxnSpPr>
             <a:cxnSpLocks/>
-            <a:endCxn id="17" idx="0"/>
           </p:cNvCxnSpPr>
           <p:nvPr/>
         </p:nvCxnSpPr>
         <p:spPr>
           <a:xfrm>
-            <a:off x="3733651" y="2343991"/>
-            <a:ext cx="11819" cy="628821"/>
+            <a:off x="3838744" y="2881028"/>
+            <a:ext cx="0" cy="663089"/>
           </a:xfrm>
           <a:prstGeom prst="straightConnector1">
             <a:avLst/>
@@ -12037,7 +12035,7 @@
         </p:nvSpPr>
         <p:spPr>
           <a:xfrm>
-            <a:off x="2388689" y="2972812"/>
+            <a:off x="2490808" y="3541588"/>
             <a:ext cx="2713562" cy="923090"/>
           </a:xfrm>
           <a:prstGeom prst="rect">
@@ -12124,7 +12122,7 @@
         </p:nvCxnSpPr>
         <p:spPr>
           <a:xfrm>
-            <a:off x="3647591" y="3895902"/>
+            <a:off x="3838744" y="4493491"/>
             <a:ext cx="8845" cy="624541"/>
           </a:xfrm>
           <a:prstGeom prst="straightConnector1">
@@ -12166,7 +12164,7 @@
         </p:nvSpPr>
         <p:spPr>
           <a:xfrm>
-            <a:off x="6621875" y="42829"/>
+            <a:off x="3656436" y="13636"/>
             <a:ext cx="3806974" cy="369236"/>
           </a:xfrm>
           <a:prstGeom prst="rect">
@@ -12213,7 +12211,7 @@
           <p:nvPr/>
         </p:nvPicPr>
         <p:blipFill rotWithShape="1">
-          <a:blip r:embed="rId2" cstate="print">
+          <a:blip r:embed="rId2" cstate="email">
             <a:extLst>
               <a:ext uri="{28A0092B-C50C-407E-A947-70E740481C1C}">
                 <a14:useLocalDpi xmlns:a14="http://schemas.microsoft.com/office/drawing/2010/main"/>
@@ -12225,12 +12223,17 @@
         </p:blipFill>
         <p:spPr>
           <a:xfrm>
-            <a:off x="5722845" y="1512142"/>
-            <a:ext cx="6425828" cy="2150217"/>
+            <a:off x="5864637" y="1295050"/>
+            <a:ext cx="6335069" cy="1729600"/>
           </a:xfrm>
           <a:prstGeom prst="rect">
             <a:avLst/>
           </a:prstGeom>
+          <a:ln>
+            <a:solidFill>
+              <a:schemeClr val="tx1"/>
+            </a:solidFill>
+          </a:ln>
         </p:spPr>
       </p:pic>
       <p:cxnSp>
@@ -12249,8 +12252,8 @@
         </p:nvCxnSpPr>
         <p:spPr>
           <a:xfrm flipH="1">
-            <a:off x="4767371" y="1838874"/>
-            <a:ext cx="1290354" cy="6880"/>
+            <a:off x="5204371" y="4038600"/>
+            <a:ext cx="672645" cy="0"/>
           </a:xfrm>
           <a:prstGeom prst="straightConnector1">
             <a:avLst/>
@@ -12293,7 +12296,7 @@
         </p:nvCxnSpPr>
         <p:spPr>
           <a:xfrm flipH="1">
-            <a:off x="5102251" y="3409565"/>
+            <a:off x="5093210" y="2235197"/>
             <a:ext cx="775617" cy="0"/>
           </a:xfrm>
           <a:prstGeom prst="straightConnector1">
@@ -12336,7 +12339,7 @@
           <p:nvPr/>
         </p:nvPicPr>
         <p:blipFill rotWithShape="1">
-          <a:blip r:embed="rId3" cstate="print">
+          <a:blip r:embed="rId3" cstate="email">
             <a:extLst>
               <a:ext uri="{28A0092B-C50C-407E-A947-70E740481C1C}">
                 <a14:useLocalDpi xmlns:a14="http://schemas.microsoft.com/office/drawing/2010/main"/>
@@ -12348,7 +12351,7 @@
         </p:blipFill>
         <p:spPr>
           <a:xfrm>
-            <a:off x="1277935" y="4604986"/>
+            <a:off x="1201381" y="5151896"/>
             <a:ext cx="5450360" cy="1176125"/>
           </a:xfrm>
           <a:prstGeom prst="rect">
@@ -12371,7 +12374,7 @@
           <p:nvPr/>
         </p:nvPicPr>
         <p:blipFill>
-          <a:blip r:embed="rId4" cstate="print">
+          <a:blip r:embed="rId4" cstate="email">
             <a:extLst>
               <a:ext uri="{28A0092B-C50C-407E-A947-70E740481C1C}">
                 <a14:useLocalDpi xmlns:a14="http://schemas.microsoft.com/office/drawing/2010/main"/>
@@ -12384,7 +12387,7 @@
         </p:blipFill>
         <p:spPr>
           <a:xfrm>
-            <a:off x="-8857" y="1198301"/>
+            <a:off x="164281" y="583630"/>
             <a:ext cx="569851" cy="729008"/>
           </a:xfrm>
           <a:prstGeom prst="rect">
@@ -12407,7 +12410,7 @@
           <p:nvPr/>
         </p:nvPicPr>
         <p:blipFill>
-          <a:blip r:embed="rId5" cstate="print">
+          <a:blip r:embed="rId5" cstate="email">
             <a:extLst>
               <a:ext uri="{28A0092B-C50C-407E-A947-70E740481C1C}">
                 <a14:useLocalDpi xmlns:a14="http://schemas.microsoft.com/office/drawing/2010/main"/>
@@ -12420,8 +12423,8 @@
         </p:blipFill>
         <p:spPr>
           <a:xfrm>
-            <a:off x="970910" y="2289841"/>
-            <a:ext cx="736073" cy="781873"/>
+            <a:off x="9372" y="1780391"/>
+            <a:ext cx="826579" cy="878010"/>
           </a:xfrm>
           <a:prstGeom prst="rect">
             <a:avLst/>
@@ -12443,20 +12446,20 @@
           <p:nvPr/>
         </p:nvPicPr>
         <p:blipFill rotWithShape="1">
-          <a:blip r:embed="rId6" cstate="print">
+          <a:blip r:embed="rId6" cstate="email">
             <a:extLst>
               <a:ext uri="{28A0092B-C50C-407E-A947-70E740481C1C}">
                 <a14:useLocalDpi xmlns:a14="http://schemas.microsoft.com/office/drawing/2010/main"/>
               </a:ext>
             </a:extLst>
           </a:blip>
-          <a:srcRect b="5011"/>
+          <a:srcRect/>
           <a:stretch/>
         </p:blipFill>
         <p:spPr>
           <a:xfrm>
-            <a:off x="44619" y="3122730"/>
-            <a:ext cx="1768094" cy="710934"/>
+            <a:off x="9373" y="2696349"/>
+            <a:ext cx="1557138" cy="710934"/>
           </a:xfrm>
           <a:prstGeom prst="rect">
             <a:avLst/>
@@ -12477,8 +12480,56 @@
         </p:nvSpPr>
         <p:spPr>
           <a:xfrm>
-            <a:off x="50985" y="2370683"/>
-            <a:ext cx="649368" cy="369236"/>
+            <a:off x="85144" y="1388482"/>
+            <a:ext cx="712167" cy="369204"/>
+          </a:xfrm>
+          <a:prstGeom prst="rect">
+            <a:avLst/>
+          </a:prstGeom>
+          <a:solidFill>
+            <a:schemeClr val="tx1"/>
+          </a:solidFill>
+          <a:ln>
+            <a:solidFill>
+              <a:schemeClr val="tx1"/>
+            </a:solidFill>
+          </a:ln>
+        </p:spPr>
+        <p:txBody>
+          <a:bodyPr wrap="square" rtlCol="0">
+            <a:spAutoFit/>
+          </a:bodyPr>
+          <a:lstStyle/>
+          <a:p>
+            <a:pPr algn="ctr" defTabSz="914126"/>
+            <a:r>
+              <a:rPr lang="en-US" sz="1799" dirty="0">
+                <a:solidFill>
+                  <a:schemeClr val="bg1"/>
+                </a:solidFill>
+                <a:latin typeface="Calibri" panose="020F0502020204030204"/>
+              </a:rPr>
+              <a:t>Uber</a:t>
+            </a:r>
+          </a:p>
+        </p:txBody>
+      </p:sp>
+      <p:sp>
+        <p:nvSpPr>
+          <p:cNvPr id="22" name="TextBox 21">
+            <a:extLst>
+              <a:ext uri="{FF2B5EF4-FFF2-40B4-BE49-F238E27FC236}">
+                <a16:creationId xmlns:a16="http://schemas.microsoft.com/office/drawing/2014/main" id="{F570F0CF-333A-4F9E-9909-E2E840DF7D86}"/>
+              </a:ext>
+            </a:extLst>
+          </p:cNvPr>
+          <p:cNvSpPr txBox="1"/>
+          <p:nvPr/>
+        </p:nvSpPr>
+        <p:spPr>
+          <a:xfrm>
+            <a:off x="5930462" y="666564"/>
+            <a:ext cx="6276783" cy="369332"/>
           </a:xfrm>
           <a:prstGeom prst="rect">
             <a:avLst/>
@@ -12496,25 +12547,248 @@
           </a:bodyPr>
           <a:lstStyle/>
           <a:p>
-            <a:pPr defTabSz="914126"/>
-            <a:r>
-              <a:rPr lang="en-US" sz="1799" dirty="0">
+            <a:r>
+              <a:rPr lang="en-US" dirty="0">
                 <a:solidFill>
-                  <a:prstClr val="black"/>
+                  <a:srgbClr val="FF0000"/>
                 </a:solidFill>
-                <a:latin typeface="Calibri" panose="020F0502020204030204"/>
               </a:rPr>
-              <a:t>Uber</a:t>
-            </a:r>
-          </a:p>
-        </p:txBody>
-      </p:sp>
-      <p:sp>
-        <p:nvSpPr>
-          <p:cNvPr id="22" name="TextBox 21">
+              <a:t>Requirement: Describe the data exploration and cleanup-process</a:t>
+            </a:r>
+          </a:p>
+        </p:txBody>
+      </p:sp>
+      <p:pic>
+        <p:nvPicPr>
+          <p:cNvPr id="13" name="Picture 12">
             <a:extLst>
               <a:ext uri="{FF2B5EF4-FFF2-40B4-BE49-F238E27FC236}">
-                <a16:creationId xmlns:a16="http://schemas.microsoft.com/office/drawing/2014/main" id="{F570F0CF-333A-4F9E-9909-E2E840DF7D86}"/>
+                <a16:creationId xmlns:a16="http://schemas.microsoft.com/office/drawing/2014/main" id="{1B518D8B-2C1A-458B-A9D0-CC91C7065914}"/>
+              </a:ext>
+            </a:extLst>
+          </p:cNvPr>
+          <p:cNvPicPr>
+            <a:picLocks noChangeAspect="1"/>
+          </p:cNvPicPr>
+          <p:nvPr/>
+        </p:nvPicPr>
+        <p:blipFill>
+          <a:blip r:embed="rId7" cstate="email">
+            <a:extLst>
+              <a:ext uri="{28A0092B-C50C-407E-A947-70E740481C1C}">
+                <a14:useLocalDpi xmlns:a14="http://schemas.microsoft.com/office/drawing/2010/main"/>
+              </a:ext>
+            </a:extLst>
+          </a:blip>
+          <a:stretch>
+            <a:fillRect/>
+          </a:stretch>
+        </p:blipFill>
+        <p:spPr>
+          <a:xfrm>
+            <a:off x="4693944" y="829458"/>
+            <a:ext cx="349283" cy="342932"/>
+          </a:xfrm>
+          <a:prstGeom prst="rect">
+            <a:avLst/>
+          </a:prstGeom>
+        </p:spPr>
+      </p:pic>
+      <p:pic>
+        <p:nvPicPr>
+          <p:cNvPr id="28" name="Picture 27">
+            <a:extLst>
+              <a:ext uri="{FF2B5EF4-FFF2-40B4-BE49-F238E27FC236}">
+                <a16:creationId xmlns:a16="http://schemas.microsoft.com/office/drawing/2014/main" id="{AB349F2F-B2C3-4454-9C62-423ED12B905E}"/>
+              </a:ext>
+            </a:extLst>
+          </p:cNvPr>
+          <p:cNvPicPr>
+            <a:picLocks noChangeAspect="1"/>
+          </p:cNvPicPr>
+          <p:nvPr/>
+        </p:nvPicPr>
+        <p:blipFill rotWithShape="1">
+          <a:blip r:embed="rId8" cstate="email">
+            <a:extLst>
+              <a:ext uri="{28A0092B-C50C-407E-A947-70E740481C1C}">
+                <a14:useLocalDpi xmlns:a14="http://schemas.microsoft.com/office/drawing/2010/main"/>
+              </a:ext>
+            </a:extLst>
+          </a:blip>
+          <a:srcRect/>
+          <a:stretch/>
+        </p:blipFill>
+        <p:spPr>
+          <a:xfrm>
+            <a:off x="5864637" y="3836997"/>
+            <a:ext cx="6276783" cy="429932"/>
+          </a:xfrm>
+          <a:prstGeom prst="rect">
+            <a:avLst/>
+          </a:prstGeom>
+          <a:ln>
+            <a:solidFill>
+              <a:schemeClr val="tx1"/>
+            </a:solidFill>
+          </a:ln>
+        </p:spPr>
+      </p:pic>
+      <p:pic>
+        <p:nvPicPr>
+          <p:cNvPr id="33" name="Picture 32">
+            <a:extLst>
+              <a:ext uri="{FF2B5EF4-FFF2-40B4-BE49-F238E27FC236}">
+                <a16:creationId xmlns:a16="http://schemas.microsoft.com/office/drawing/2014/main" id="{9078AFB7-8B28-41E2-BE76-FF7B65E4F54C}"/>
+              </a:ext>
+            </a:extLst>
+          </p:cNvPr>
+          <p:cNvPicPr>
+            <a:picLocks noChangeAspect="1"/>
+          </p:cNvPicPr>
+          <p:nvPr/>
+        </p:nvPicPr>
+        <p:blipFill>
+          <a:blip r:embed="rId7" cstate="email">
+            <a:extLst>
+              <a:ext uri="{28A0092B-C50C-407E-A947-70E740481C1C}">
+                <a14:useLocalDpi xmlns:a14="http://schemas.microsoft.com/office/drawing/2010/main"/>
+              </a:ext>
+            </a:extLst>
+          </a:blip>
+          <a:stretch>
+            <a:fillRect/>
+          </a:stretch>
+        </p:blipFill>
+        <p:spPr>
+          <a:xfrm>
+            <a:off x="1094593" y="2241625"/>
+            <a:ext cx="349283" cy="342932"/>
+          </a:xfrm>
+          <a:prstGeom prst="rect">
+            <a:avLst/>
+          </a:prstGeom>
+        </p:spPr>
+      </p:pic>
+      <p:pic>
+        <p:nvPicPr>
+          <p:cNvPr id="21" name="Picture 20">
+            <a:extLst>
+              <a:ext uri="{FF2B5EF4-FFF2-40B4-BE49-F238E27FC236}">
+                <a16:creationId xmlns:a16="http://schemas.microsoft.com/office/drawing/2014/main" id="{9579BB34-3A82-4218-AFA5-5AF92B3E9843}"/>
+              </a:ext>
+            </a:extLst>
+          </p:cNvPr>
+          <p:cNvPicPr>
+            <a:picLocks noChangeAspect="1"/>
+          </p:cNvPicPr>
+          <p:nvPr/>
+        </p:nvPicPr>
+        <p:blipFill>
+          <a:blip r:embed="rId9" cstate="email">
+            <a:extLst>
+              <a:ext uri="{28A0092B-C50C-407E-A947-70E740481C1C}">
+                <a14:useLocalDpi xmlns:a14="http://schemas.microsoft.com/office/drawing/2010/main"/>
+              </a:ext>
+            </a:extLst>
+          </a:blip>
+          <a:stretch>
+            <a:fillRect/>
+          </a:stretch>
+        </p:blipFill>
+        <p:spPr>
+          <a:xfrm>
+            <a:off x="2750872" y="1714156"/>
+            <a:ext cx="2351377" cy="531400"/>
+          </a:xfrm>
+          <a:prstGeom prst="rect">
+            <a:avLst/>
+          </a:prstGeom>
+          <a:ln>
+            <a:solidFill>
+              <a:schemeClr val="tx1"/>
+            </a:solidFill>
+          </a:ln>
+        </p:spPr>
+      </p:pic>
+      <p:pic>
+        <p:nvPicPr>
+          <p:cNvPr id="38" name="Picture 37">
+            <a:extLst>
+              <a:ext uri="{FF2B5EF4-FFF2-40B4-BE49-F238E27FC236}">
+                <a16:creationId xmlns:a16="http://schemas.microsoft.com/office/drawing/2014/main" id="{E032DAED-C42A-4B9D-86A0-E82E76684EC6}"/>
+              </a:ext>
+            </a:extLst>
+          </p:cNvPr>
+          <p:cNvPicPr>
+            <a:picLocks noChangeAspect="1"/>
+          </p:cNvPicPr>
+          <p:nvPr/>
+        </p:nvPicPr>
+        <p:blipFill>
+          <a:blip r:embed="rId7" cstate="email">
+            <a:extLst>
+              <a:ext uri="{28A0092B-C50C-407E-A947-70E740481C1C}">
+                <a14:useLocalDpi xmlns:a14="http://schemas.microsoft.com/office/drawing/2010/main"/>
+              </a:ext>
+            </a:extLst>
+          </a:blip>
+          <a:stretch>
+            <a:fillRect/>
+          </a:stretch>
+        </p:blipFill>
+        <p:spPr>
+          <a:xfrm>
+            <a:off x="1519550" y="2254467"/>
+            <a:ext cx="349283" cy="342932"/>
+          </a:xfrm>
+          <a:prstGeom prst="rect">
+            <a:avLst/>
+          </a:prstGeom>
+        </p:spPr>
+      </p:pic>
+      <p:pic>
+        <p:nvPicPr>
+          <p:cNvPr id="39" name="Picture 38">
+            <a:extLst>
+              <a:ext uri="{FF2B5EF4-FFF2-40B4-BE49-F238E27FC236}">
+                <a16:creationId xmlns:a16="http://schemas.microsoft.com/office/drawing/2014/main" id="{5B45574C-24BA-4C30-A8B7-D7D3A70728E2}"/>
+              </a:ext>
+            </a:extLst>
+          </p:cNvPr>
+          <p:cNvPicPr>
+            <a:picLocks noChangeAspect="1"/>
+          </p:cNvPicPr>
+          <p:nvPr/>
+        </p:nvPicPr>
+        <p:blipFill>
+          <a:blip r:embed="rId7" cstate="email">
+            <a:extLst>
+              <a:ext uri="{28A0092B-C50C-407E-A947-70E740481C1C}">
+                <a14:useLocalDpi xmlns:a14="http://schemas.microsoft.com/office/drawing/2010/main"/>
+              </a:ext>
+            </a:extLst>
+          </a:blip>
+          <a:stretch>
+            <a:fillRect/>
+          </a:stretch>
+        </p:blipFill>
+        <p:spPr>
+          <a:xfrm>
+            <a:off x="1944507" y="2245556"/>
+            <a:ext cx="349283" cy="342932"/>
+          </a:xfrm>
+          <a:prstGeom prst="rect">
+            <a:avLst/>
+          </a:prstGeom>
+        </p:spPr>
+      </p:pic>
+      <p:sp>
+        <p:nvSpPr>
+          <p:cNvPr id="42" name="TextBox 41">
+            <a:extLst>
+              <a:ext uri="{FF2B5EF4-FFF2-40B4-BE49-F238E27FC236}">
+                <a16:creationId xmlns:a16="http://schemas.microsoft.com/office/drawing/2014/main" id="{4504DECA-D05A-4672-8C49-EF616A951062}"/>
               </a:ext>
             </a:extLst>
           </p:cNvPr>
@@ -12523,8 +12797,8 @@
         </p:nvSpPr>
         <p:spPr>
           <a:xfrm>
-            <a:off x="700353" y="6253315"/>
-            <a:ext cx="6276783" cy="369332"/>
+            <a:off x="57674" y="3476775"/>
+            <a:ext cx="2028752" cy="1569660"/>
           </a:xfrm>
           <a:prstGeom prst="rect">
             <a:avLst/>
@@ -12537,18 +12811,18 @@
           </a:ln>
         </p:spPr>
         <p:txBody>
-          <a:bodyPr wrap="none" rtlCol="0">
+          <a:bodyPr wrap="square" rtlCol="0">
             <a:spAutoFit/>
           </a:bodyPr>
           <a:lstStyle/>
           <a:p>
             <a:r>
-              <a:rPr lang="en-US" dirty="0">
+              <a:rPr lang="en-US" sz="1600" dirty="0">
                 <a:solidFill>
                   <a:srgbClr val="FF0000"/>
                 </a:solidFill>
               </a:rPr>
-              <a:t>Requirement: Describe the data exploration and cleanup-process</a:t>
+              <a:t>Requirement: Summarize where and how you found the data you used to answer these questions</a:t>
             </a:r>
           </a:p>
         </p:txBody>
@@ -12556,7 +12830,7 @@
     </p:spTree>
     <p:extLst>
       <p:ext uri="{BB962C8B-B14F-4D97-AF65-F5344CB8AC3E}">
-        <p14:creationId xmlns:p14="http://schemas.microsoft.com/office/powerpoint/2010/main" val="3611835484"/>
+        <p14:creationId xmlns:p14="http://schemas.microsoft.com/office/powerpoint/2010/main" val="3637284919"/>
       </p:ext>
     </p:extLst>
   </p:cSld>
@@ -12771,7 +13045,13 @@
           <p:nvPr/>
         </p:nvPicPr>
         <p:blipFill>
-          <a:blip r:embed="rId3"/>
+          <a:blip r:embed="rId3" cstate="email">
+            <a:extLst>
+              <a:ext uri="{28A0092B-C50C-407E-A947-70E740481C1C}">
+                <a14:useLocalDpi xmlns:a14="http://schemas.microsoft.com/office/drawing/2010/main"/>
+              </a:ext>
+            </a:extLst>
+          </a:blip>
           <a:stretch>
             <a:fillRect/>
           </a:stretch>
@@ -12965,8 +13245,14 @@
           <p:nvPr/>
         </p:nvPicPr>
         <p:blipFill rotWithShape="1">
-          <a:blip r:embed="rId4"/>
-          <a:srcRect l="3458" t="8857" r="71452" b="84453"/>
+          <a:blip r:embed="rId4" cstate="email">
+            <a:extLst>
+              <a:ext uri="{28A0092B-C50C-407E-A947-70E740481C1C}">
+                <a14:useLocalDpi xmlns:a14="http://schemas.microsoft.com/office/drawing/2010/main"/>
+              </a:ext>
+            </a:extLst>
+          </a:blip>
+          <a:srcRect/>
           <a:stretch/>
         </p:blipFill>
         <p:spPr>
@@ -12994,7 +13280,13 @@
           <p:nvPr/>
         </p:nvPicPr>
         <p:blipFill>
-          <a:blip r:embed="rId5"/>
+          <a:blip r:embed="rId5" cstate="email">
+            <a:extLst>
+              <a:ext uri="{28A0092B-C50C-407E-A947-70E740481C1C}">
+                <a14:useLocalDpi xmlns:a14="http://schemas.microsoft.com/office/drawing/2010/main"/>
+              </a:ext>
+            </a:extLst>
+          </a:blip>
           <a:stretch>
             <a:fillRect/>
           </a:stretch>
@@ -13210,7 +13502,7 @@
           <p:nvPr/>
         </p:nvPicPr>
         <p:blipFill rotWithShape="1">
-          <a:blip r:embed="rId6" cstate="print">
+          <a:blip r:embed="rId6" cstate="email">
             <a:extLst>
               <a:ext uri="{28A0092B-C50C-407E-A947-70E740481C1C}">
                 <a14:useLocalDpi xmlns:a14="http://schemas.microsoft.com/office/drawing/2010/main"/>
@@ -13245,7 +13537,7 @@
           <p:nvPr/>
         </p:nvPicPr>
         <p:blipFill rotWithShape="1">
-          <a:blip r:embed="rId7" cstate="print">
+          <a:blip r:embed="rId7" cstate="email">
             <a:extLst>
               <a:ext uri="{28A0092B-C50C-407E-A947-70E740481C1C}">
                 <a14:useLocalDpi xmlns:a14="http://schemas.microsoft.com/office/drawing/2010/main"/>
@@ -13347,7 +13639,7 @@
           <p:nvPr/>
         </p:nvPicPr>
         <p:blipFill rotWithShape="1">
-          <a:blip r:embed="rId8" cstate="print">
+          <a:blip r:embed="rId8" cstate="email">
             <a:extLst>
               <a:ext uri="{28A0092B-C50C-407E-A947-70E740481C1C}">
                 <a14:useLocalDpi xmlns:a14="http://schemas.microsoft.com/office/drawing/2010/main"/>
@@ -13706,8 +13998,14 @@
           <p:nvPr/>
         </p:nvPicPr>
         <p:blipFill rotWithShape="1">
-          <a:blip r:embed="rId9"/>
-          <a:srcRect l="23137" t="27409" r="42652" b="53334"/>
+          <a:blip r:embed="rId9" cstate="email">
+            <a:extLst>
+              <a:ext uri="{28A0092B-C50C-407E-A947-70E740481C1C}">
+                <a14:useLocalDpi xmlns:a14="http://schemas.microsoft.com/office/drawing/2010/main"/>
+              </a:ext>
+            </a:extLst>
+          </a:blip>
+          <a:srcRect/>
           <a:stretch/>
         </p:blipFill>
         <p:spPr>
@@ -13735,8 +14033,14 @@
           <p:nvPr/>
         </p:nvPicPr>
         <p:blipFill rotWithShape="1">
-          <a:blip r:embed="rId10"/>
-          <a:srcRect l="23118" t="22544" r="18116" b="30753"/>
+          <a:blip r:embed="rId10" cstate="email">
+            <a:extLst>
+              <a:ext uri="{28A0092B-C50C-407E-A947-70E740481C1C}">
+                <a14:useLocalDpi xmlns:a14="http://schemas.microsoft.com/office/drawing/2010/main"/>
+              </a:ext>
+            </a:extLst>
+          </a:blip>
+          <a:srcRect/>
           <a:stretch/>
         </p:blipFill>
         <p:spPr>
